--- a/UML/PROJET UML FINAL.pptx
+++ b/UML/PROJET UML FINAL.pptx
@@ -427,7 +427,7 @@
             <a:fld id="{55FB7768-240E-4BDC-A263-F6420B131AE6}" type="datetimeFigureOut">
               <a:rPr lang="fr-FR" smtClean="0"/>
               <a:pPr/>
-              <a:t>08/07/2014</a:t>
+              <a:t>09/07/2014</a:t>
             </a:fld>
             <a:endParaRPr lang="fr-FR"/>
           </a:p>
@@ -614,7 +614,7 @@
             <a:fld id="{55FB7768-240E-4BDC-A263-F6420B131AE6}" type="datetimeFigureOut">
               <a:rPr lang="fr-FR" smtClean="0"/>
               <a:pPr/>
-              <a:t>08/07/2014</a:t>
+              <a:t>09/07/2014</a:t>
             </a:fld>
             <a:endParaRPr lang="fr-FR"/>
           </a:p>
@@ -801,7 +801,7 @@
             <a:fld id="{55FB7768-240E-4BDC-A263-F6420B131AE6}" type="datetimeFigureOut">
               <a:rPr lang="fr-FR" smtClean="0"/>
               <a:pPr/>
-              <a:t>08/07/2014</a:t>
+              <a:t>09/07/2014</a:t>
             </a:fld>
             <a:endParaRPr lang="fr-FR"/>
           </a:p>
@@ -988,7 +988,7 @@
             <a:fld id="{55FB7768-240E-4BDC-A263-F6420B131AE6}" type="datetimeFigureOut">
               <a:rPr lang="fr-FR" smtClean="0"/>
               <a:pPr/>
-              <a:t>08/07/2014</a:t>
+              <a:t>09/07/2014</a:t>
             </a:fld>
             <a:endParaRPr lang="fr-FR"/>
           </a:p>
@@ -1371,7 +1371,7 @@
             <a:fld id="{55FB7768-240E-4BDC-A263-F6420B131AE6}" type="datetimeFigureOut">
               <a:rPr lang="fr-FR" smtClean="0"/>
               <a:pPr/>
-              <a:t>08/07/2014</a:t>
+              <a:t>09/07/2014</a:t>
             </a:fld>
             <a:endParaRPr lang="fr-FR"/>
           </a:p>
@@ -1642,7 +1642,7 @@
             <a:fld id="{55FB7768-240E-4BDC-A263-F6420B131AE6}" type="datetimeFigureOut">
               <a:rPr lang="fr-FR" smtClean="0"/>
               <a:pPr/>
-              <a:t>08/07/2014</a:t>
+              <a:t>09/07/2014</a:t>
             </a:fld>
             <a:endParaRPr lang="fr-FR"/>
           </a:p>
@@ -2029,7 +2029,7 @@
             <a:fld id="{55FB7768-240E-4BDC-A263-F6420B131AE6}" type="datetimeFigureOut">
               <a:rPr lang="fr-FR" smtClean="0"/>
               <a:pPr/>
-              <a:t>08/07/2014</a:t>
+              <a:t>09/07/2014</a:t>
             </a:fld>
             <a:endParaRPr lang="fr-FR"/>
           </a:p>
@@ -2152,7 +2152,7 @@
             <a:fld id="{55FB7768-240E-4BDC-A263-F6420B131AE6}" type="datetimeFigureOut">
               <a:rPr lang="fr-FR" smtClean="0"/>
               <a:pPr/>
-              <a:t>08/07/2014</a:t>
+              <a:t>09/07/2014</a:t>
             </a:fld>
             <a:endParaRPr lang="fr-FR"/>
           </a:p>
@@ -2334,7 +2334,7 @@
             <a:fld id="{55FB7768-240E-4BDC-A263-F6420B131AE6}" type="datetimeFigureOut">
               <a:rPr lang="fr-FR" smtClean="0"/>
               <a:pPr/>
-              <a:t>08/07/2014</a:t>
+              <a:t>09/07/2014</a:t>
             </a:fld>
             <a:endParaRPr lang="fr-FR"/>
           </a:p>
@@ -2670,7 +2670,7 @@
             <a:fld id="{55FB7768-240E-4BDC-A263-F6420B131AE6}" type="datetimeFigureOut">
               <a:rPr lang="fr-FR" smtClean="0"/>
               <a:pPr/>
-              <a:t>08/07/2014</a:t>
+              <a:t>09/07/2014</a:t>
             </a:fld>
             <a:endParaRPr lang="fr-FR"/>
           </a:p>
@@ -3041,7 +3041,7 @@
             <a:fld id="{55FB7768-240E-4BDC-A263-F6420B131AE6}" type="datetimeFigureOut">
               <a:rPr lang="fr-FR" smtClean="0"/>
               <a:pPr/>
-              <a:t>08/07/2014</a:t>
+              <a:t>09/07/2014</a:t>
             </a:fld>
             <a:endParaRPr lang="fr-FR"/>
           </a:p>
@@ -3461,7 +3461,7 @@
             <a:fld id="{55FB7768-240E-4BDC-A263-F6420B131AE6}" type="datetimeFigureOut">
               <a:rPr lang="fr-FR" smtClean="0"/>
               <a:pPr/>
-              <a:t>08/07/2014</a:t>
+              <a:t>09/07/2014</a:t>
             </a:fld>
             <a:endParaRPr lang="fr-FR"/>
           </a:p>
@@ -3968,14 +3968,6 @@
               </a:rPr>
               <a:t>Ivan KLARMAN – Walson RENE – </a:t>
             </a:r>
-            <a:endParaRPr lang="fr-FR" sz="2400" dirty="0" smtClean="0">
-              <a:solidFill>
-                <a:schemeClr val="tx1">
-                  <a:lumMod val="75000"/>
-                  <a:lumOff val="25000"/>
-                </a:schemeClr>
-              </a:solidFill>
-            </a:endParaRPr>
           </a:p>
           <a:p>
             <a:r>
@@ -3987,18 +3979,7 @@
                   </a:schemeClr>
                 </a:solidFill>
               </a:rPr>
-              <a:t>Quentin </a:t>
-            </a:r>
-            <a:r>
-              <a:rPr lang="fr-FR" sz="2400" dirty="0" smtClean="0">
-                <a:solidFill>
-                  <a:schemeClr val="tx1">
-                    <a:lumMod val="75000"/>
-                    <a:lumOff val="25000"/>
-                  </a:schemeClr>
-                </a:solidFill>
-              </a:rPr>
-              <a:t>TOUATIOUI</a:t>
+              <a:t>Quentin TOUATIOUI</a:t>
             </a:r>
           </a:p>
           <a:p>
@@ -4078,8 +4059,18 @@
           <a:p>
             <a:r>
               <a:rPr lang="fr-FR" dirty="0" smtClean="0"/>
-              <a:t>2) Diagramme de séquence</a:t>
-            </a:r>
+              <a:t>2) Diagramme de </a:t>
+            </a:r>
+            <a:r>
+              <a:rPr lang="fr-FR" dirty="0" smtClean="0"/>
+              <a:t>séquence</a:t>
+            </a:r>
+          </a:p>
+          <a:p>
+            <a:pPr>
+              <a:buNone/>
+            </a:pPr>
+            <a:endParaRPr lang="fr-FR" dirty="0" smtClean="0"/>
           </a:p>
           <a:p>
             <a:pPr>
@@ -4089,6 +4080,32 @@
           </a:p>
         </p:txBody>
       </p:sp>
+      <p:pic>
+        <p:nvPicPr>
+          <p:cNvPr id="1026" name="Picture 2" descr="F:\UML\DiagrammedeSequence.png"/>
+          <p:cNvPicPr>
+            <a:picLocks noChangeAspect="1" noChangeArrowheads="1"/>
+          </p:cNvPicPr>
+          <p:nvPr/>
+        </p:nvPicPr>
+        <p:blipFill>
+          <a:blip r:embed="rId2" cstate="print"/>
+          <a:srcRect/>
+          <a:stretch>
+            <a:fillRect/>
+          </a:stretch>
+        </p:blipFill>
+        <p:spPr bwMode="auto">
+          <a:xfrm>
+            <a:off x="0" y="1124744"/>
+            <a:ext cx="9144000" cy="5049941"/>
+          </a:xfrm>
+          <a:prstGeom prst="rect">
+            <a:avLst/>
+          </a:prstGeom>
+          <a:noFill/>
+        </p:spPr>
+      </p:pic>
     </p:spTree>
   </p:cSld>
   <p:clrMapOvr>

--- a/UML/PROJET UML FINAL.pptx
+++ b/UML/PROJET UML FINAL.pptx
@@ -7,7 +7,7 @@
   <p:sldIdLst>
     <p:sldId id="256" r:id="rId2"/>
     <p:sldId id="257" r:id="rId3"/>
-    <p:sldId id="258" r:id="rId4"/>
+    <p:sldId id="270" r:id="rId4"/>
     <p:sldId id="259" r:id="rId5"/>
     <p:sldId id="260" r:id="rId6"/>
     <p:sldId id="261" r:id="rId7"/>
@@ -15,10 +15,7 @@
     <p:sldId id="263" r:id="rId9"/>
     <p:sldId id="264" r:id="rId10"/>
     <p:sldId id="265" r:id="rId11"/>
-    <p:sldId id="266" r:id="rId12"/>
-    <p:sldId id="267" r:id="rId13"/>
-    <p:sldId id="268" r:id="rId14"/>
-    <p:sldId id="269" r:id="rId15"/>
+    <p:sldId id="269" r:id="rId12"/>
   </p:sldIdLst>
   <p:sldSz cx="9144000" cy="6858000" type="screen4x3"/>
   <p:notesSz cx="6858000" cy="9144000"/>
@@ -4059,11 +4056,7 @@
           <a:p>
             <a:r>
               <a:rPr lang="fr-FR" dirty="0" smtClean="0"/>
-              <a:t>2) Diagramme de </a:t>
-            </a:r>
-            <a:r>
-              <a:rPr lang="fr-FR" dirty="0" smtClean="0"/>
-              <a:t>séquence</a:t>
+              <a:t>2) Diagramme de séquence</a:t>
             </a:r>
           </a:p>
           <a:p>
@@ -4111,6 +4104,13 @@
   <p:clrMapOvr>
     <a:masterClrMapping/>
   </p:clrMapOvr>
+  <p:timing>
+    <p:tnLst>
+      <p:par>
+        <p:cTn id="1" dur="indefinite" restart="never" nodeType="tmRoot"/>
+      </p:par>
+    </p:tnLst>
+  </p:timing>
 </p:sld>
 </file>
 
@@ -4133,27 +4133,93 @@
       </p:grpSpPr>
       <p:sp>
         <p:nvSpPr>
-          <p:cNvPr id="3" name="Espace réservé du contenu 2"/>
-          <p:cNvSpPr>
-            <a:spLocks noGrp="1"/>
-          </p:cNvSpPr>
-          <p:nvPr>
-            <p:ph idx="1"/>
+          <p:cNvPr id="2" name="Titre 1"/>
+          <p:cNvSpPr>
+            <a:spLocks noGrp="1"/>
+          </p:cNvSpPr>
+          <p:nvPr>
+            <p:ph type="title"/>
           </p:nvPr>
         </p:nvSpPr>
         <p:spPr>
           <a:xfrm>
-            <a:off x="502920" y="530352"/>
-            <a:ext cx="8183880" cy="5994992"/>
+            <a:off x="467544" y="332656"/>
+            <a:ext cx="8183880" cy="1051560"/>
           </a:xfrm>
         </p:spPr>
         <p:txBody>
           <a:bodyPr/>
           <a:lstStyle/>
           <a:p>
+            <a:pPr algn="ctr"/>
             <a:r>
               <a:rPr lang="fr-FR" dirty="0" smtClean="0"/>
-              <a:t>3) Diagramme d’état-transition</a:t>
+              <a:t>IV</a:t>
+            </a:r>
+            <a:r>
+              <a:rPr lang="fr-FR" dirty="0" smtClean="0"/>
+              <a:t>/- </a:t>
+            </a:r>
+            <a:r>
+              <a:rPr lang="fr-FR" dirty="0" smtClean="0"/>
+              <a:t>CONCLUSION</a:t>
+            </a:r>
+            <a:endParaRPr lang="fr-FR" dirty="0"/>
+          </a:p>
+        </p:txBody>
+      </p:sp>
+      <p:sp>
+        <p:nvSpPr>
+          <p:cNvPr id="3" name="Espace réservé du contenu 2"/>
+          <p:cNvSpPr>
+            <a:spLocks noGrp="1"/>
+          </p:cNvSpPr>
+          <p:nvPr>
+            <p:ph idx="1"/>
+          </p:nvPr>
+        </p:nvSpPr>
+        <p:spPr>
+          <a:xfrm>
+            <a:off x="524953" y="1477802"/>
+            <a:ext cx="8183880" cy="4975533"/>
+          </a:xfrm>
+        </p:spPr>
+        <p:txBody>
+          <a:bodyPr>
+            <a:normAutofit lnSpcReduction="10000"/>
+          </a:bodyPr>
+          <a:lstStyle/>
+          <a:p>
+            <a:r>
+              <a:rPr lang="fr-FR" dirty="0" smtClean="0"/>
+              <a:t>Les diagrammes effectués au cours de notre projet UML, nous ont permis, d’une part, d’avancer sur notre projet annuel,</a:t>
+            </a:r>
+          </a:p>
+          <a:p>
+            <a:pPr>
+              <a:buNone/>
+            </a:pPr>
+            <a:endParaRPr lang="fr-FR" dirty="0" smtClean="0"/>
+          </a:p>
+          <a:p>
+            <a:r>
+              <a:rPr lang="fr-FR" dirty="0" smtClean="0"/>
+              <a:t> également de définir les différentes fonctionnalités de notre application</a:t>
+            </a:r>
+          </a:p>
+          <a:p>
+            <a:pPr>
+              <a:buNone/>
+            </a:pPr>
+            <a:r>
+              <a:rPr lang="fr-FR" dirty="0" smtClean="0"/>
+              <a:t> </a:t>
+            </a:r>
+          </a:p>
+          <a:p>
+            <a:r>
+              <a:rPr lang="fr-FR" dirty="0" smtClean="0"/>
+              <a:t>et enfin d’avancer ainsi que de prendre en considération les différentes problématiques qui se sont posées au fur et à mesure de l’avancer de notre logiciel.</a:t>
             </a:r>
             <a:endParaRPr lang="fr-FR" dirty="0"/>
           </a:p>
@@ -4164,230 +4230,13 @@
   <p:clrMapOvr>
     <a:masterClrMapping/>
   </p:clrMapOvr>
-</p:sld>
-</file>
-
-<file path=ppt/slides/slide12.xml><?xml version="1.0" encoding="utf-8"?>
-<p:sld xmlns:a="http://schemas.openxmlformats.org/drawingml/2006/main" xmlns:r="http://schemas.openxmlformats.org/officeDocument/2006/relationships" xmlns:p="http://schemas.openxmlformats.org/presentationml/2006/main">
-  <p:cSld>
-    <p:spTree>
-      <p:nvGrpSpPr>
-        <p:cNvPr id="1" name=""/>
-        <p:cNvGrpSpPr/>
-        <p:nvPr/>
-      </p:nvGrpSpPr>
-      <p:grpSpPr>
-        <a:xfrm>
-          <a:off x="0" y="0"/>
-          <a:ext cx="0" cy="0"/>
-          <a:chOff x="0" y="0"/>
-          <a:chExt cx="0" cy="0"/>
-        </a:xfrm>
-      </p:grpSpPr>
-      <p:sp>
-        <p:nvSpPr>
-          <p:cNvPr id="2" name="Titre 1"/>
-          <p:cNvSpPr>
-            <a:spLocks noGrp="1"/>
-          </p:cNvSpPr>
-          <p:nvPr>
-            <p:ph type="title"/>
-          </p:nvPr>
-        </p:nvSpPr>
-        <p:spPr>
-          <a:xfrm>
-            <a:off x="395536" y="404664"/>
-            <a:ext cx="8183880" cy="1051560"/>
-          </a:xfrm>
-        </p:spPr>
-        <p:txBody>
-          <a:bodyPr>
-            <a:normAutofit fontScale="90000"/>
-          </a:bodyPr>
-          <a:lstStyle/>
-          <a:p>
-            <a:pPr algn="ctr"/>
-            <a:r>
-              <a:rPr lang="fr-FR" dirty="0" smtClean="0"/>
-              <a:t>IV/- L’ARCHITECTURE APPLICATIVE</a:t>
-            </a:r>
-            <a:endParaRPr lang="fr-FR" dirty="0"/>
-          </a:p>
-        </p:txBody>
-      </p:sp>
-      <p:sp>
-        <p:nvSpPr>
-          <p:cNvPr id="3" name="Espace réservé du contenu 2"/>
-          <p:cNvSpPr>
-            <a:spLocks noGrp="1"/>
-          </p:cNvSpPr>
-          <p:nvPr>
-            <p:ph idx="1"/>
-          </p:nvPr>
-        </p:nvSpPr>
-        <p:spPr>
-          <a:xfrm>
-            <a:off x="467544" y="1484784"/>
-            <a:ext cx="8183880" cy="5184576"/>
-          </a:xfrm>
-        </p:spPr>
-        <p:txBody>
-          <a:bodyPr/>
-          <a:lstStyle/>
-          <a:p>
-            <a:r>
-              <a:rPr lang="fr-FR" dirty="0" smtClean="0"/>
-              <a:t>1) Diagramme de composants</a:t>
-            </a:r>
-            <a:endParaRPr lang="fr-FR" dirty="0"/>
-          </a:p>
-        </p:txBody>
-      </p:sp>
-    </p:spTree>
-  </p:cSld>
-  <p:clrMapOvr>
-    <a:masterClrMapping/>
-  </p:clrMapOvr>
-</p:sld>
-</file>
-
-<file path=ppt/slides/slide13.xml><?xml version="1.0" encoding="utf-8"?>
-<p:sld xmlns:a="http://schemas.openxmlformats.org/drawingml/2006/main" xmlns:r="http://schemas.openxmlformats.org/officeDocument/2006/relationships" xmlns:p="http://schemas.openxmlformats.org/presentationml/2006/main">
-  <p:cSld>
-    <p:spTree>
-      <p:nvGrpSpPr>
-        <p:cNvPr id="1" name=""/>
-        <p:cNvGrpSpPr/>
-        <p:nvPr/>
-      </p:nvGrpSpPr>
-      <p:grpSpPr>
-        <a:xfrm>
-          <a:off x="0" y="0"/>
-          <a:ext cx="0" cy="0"/>
-          <a:chOff x="0" y="0"/>
-          <a:chExt cx="0" cy="0"/>
-        </a:xfrm>
-      </p:grpSpPr>
-      <p:sp>
-        <p:nvSpPr>
-          <p:cNvPr id="3" name="Espace réservé du contenu 2"/>
-          <p:cNvSpPr>
-            <a:spLocks noGrp="1"/>
-          </p:cNvSpPr>
-          <p:nvPr>
-            <p:ph idx="1"/>
-          </p:nvPr>
-        </p:nvSpPr>
-        <p:spPr>
-          <a:xfrm>
-            <a:off x="502920" y="530352"/>
-            <a:ext cx="8183880" cy="5922984"/>
-          </a:xfrm>
-        </p:spPr>
-        <p:txBody>
-          <a:bodyPr/>
-          <a:lstStyle/>
-          <a:p>
-            <a:r>
-              <a:rPr lang="fr-FR" dirty="0" smtClean="0"/>
-              <a:t>Diagramme de déploiement</a:t>
-            </a:r>
-          </a:p>
-          <a:p>
-            <a:pPr>
-              <a:buNone/>
-            </a:pPr>
-            <a:endParaRPr lang="fr-FR" dirty="0"/>
-          </a:p>
-        </p:txBody>
-      </p:sp>
-    </p:spTree>
-  </p:cSld>
-  <p:clrMapOvr>
-    <a:masterClrMapping/>
-  </p:clrMapOvr>
-</p:sld>
-</file>
-
-<file path=ppt/slides/slide14.xml><?xml version="1.0" encoding="utf-8"?>
-<p:sld xmlns:a="http://schemas.openxmlformats.org/drawingml/2006/main" xmlns:r="http://schemas.openxmlformats.org/officeDocument/2006/relationships" xmlns:p="http://schemas.openxmlformats.org/presentationml/2006/main">
-  <p:cSld>
-    <p:spTree>
-      <p:nvGrpSpPr>
-        <p:cNvPr id="1" name=""/>
-        <p:cNvGrpSpPr/>
-        <p:nvPr/>
-      </p:nvGrpSpPr>
-      <p:grpSpPr>
-        <a:xfrm>
-          <a:off x="0" y="0"/>
-          <a:ext cx="0" cy="0"/>
-          <a:chOff x="0" y="0"/>
-          <a:chExt cx="0" cy="0"/>
-        </a:xfrm>
-      </p:grpSpPr>
-      <p:sp>
-        <p:nvSpPr>
-          <p:cNvPr id="2" name="Titre 1"/>
-          <p:cNvSpPr>
-            <a:spLocks noGrp="1"/>
-          </p:cNvSpPr>
-          <p:nvPr>
-            <p:ph type="title"/>
-          </p:nvPr>
-        </p:nvSpPr>
-        <p:spPr>
-          <a:xfrm>
-            <a:off x="467544" y="332656"/>
-            <a:ext cx="8183880" cy="1051560"/>
-          </a:xfrm>
-        </p:spPr>
-        <p:txBody>
-          <a:bodyPr/>
-          <a:lstStyle/>
-          <a:p>
-            <a:pPr algn="ctr"/>
-            <a:r>
-              <a:rPr lang="fr-FR" dirty="0" smtClean="0"/>
-              <a:t>V/- CONCLUSION</a:t>
-            </a:r>
-            <a:endParaRPr lang="fr-FR" dirty="0"/>
-          </a:p>
-        </p:txBody>
-      </p:sp>
-      <p:sp>
-        <p:nvSpPr>
-          <p:cNvPr id="3" name="Espace réservé du contenu 2"/>
-          <p:cNvSpPr>
-            <a:spLocks noGrp="1"/>
-          </p:cNvSpPr>
-          <p:nvPr>
-            <p:ph idx="1"/>
-          </p:nvPr>
-        </p:nvSpPr>
-        <p:spPr>
-          <a:xfrm>
-            <a:off x="524953" y="1477802"/>
-            <a:ext cx="8183880" cy="4975533"/>
-          </a:xfrm>
-        </p:spPr>
-        <p:txBody>
-          <a:bodyPr/>
-          <a:lstStyle/>
-          <a:p>
-            <a:r>
-              <a:rPr lang="fr-FR" dirty="0" smtClean="0"/>
-              <a:t>Ce projet UML nous a permis </a:t>
-            </a:r>
-            <a:endParaRPr lang="fr-FR" dirty="0"/>
-          </a:p>
-        </p:txBody>
-      </p:sp>
-    </p:spTree>
-  </p:cSld>
-  <p:clrMapOvr>
-    <a:masterClrMapping/>
-  </p:clrMapOvr>
+  <p:timing>
+    <p:tnLst>
+      <p:par>
+        <p:cTn id="1" dur="indefinite" restart="never" nodeType="tmRoot"/>
+      </p:par>
+    </p:tnLst>
+  </p:timing>
 </p:sld>
 </file>
 
@@ -4451,7 +4300,7 @@
         </p:nvSpPr>
         <p:spPr>
           <a:xfrm>
-            <a:off x="539552" y="2204864"/>
+            <a:off x="539552" y="2420888"/>
             <a:ext cx="8183880" cy="3186680"/>
           </a:xfrm>
         </p:spPr>
@@ -4479,14 +4328,19 @@
           <a:p>
             <a:r>
               <a:rPr lang="fr-FR" dirty="0" smtClean="0"/>
-              <a:t>IV/- La conception de la solution</a:t>
-            </a:r>
-          </a:p>
-          <a:p>
+              <a:t>IV/- </a:t>
+            </a:r>
             <a:r>
               <a:rPr lang="fr-FR" dirty="0" smtClean="0"/>
-              <a:t>V/- Conclusion</a:t>
-            </a:r>
+              <a:t>Conclusion</a:t>
+            </a:r>
+            <a:endParaRPr lang="fr-FR" dirty="0" smtClean="0"/>
+          </a:p>
+          <a:p>
+            <a:pPr>
+              <a:buNone/>
+            </a:pPr>
+            <a:endParaRPr lang="fr-FR" dirty="0" smtClean="0"/>
           </a:p>
           <a:p>
             <a:pPr>
@@ -4557,27 +4411,63 @@
           </a:p>
         </p:txBody>
       </p:sp>
+      <p:sp>
+        <p:nvSpPr>
+          <p:cNvPr id="3" name="Espace réservé du contenu 2"/>
+          <p:cNvSpPr>
+            <a:spLocks noGrp="1"/>
+          </p:cNvSpPr>
+          <p:nvPr>
+            <p:ph idx="1"/>
+          </p:nvPr>
+        </p:nvSpPr>
+        <p:spPr>
+          <a:xfrm>
+            <a:off x="467544" y="1412776"/>
+            <a:ext cx="8183880" cy="4547992"/>
+          </a:xfrm>
+        </p:spPr>
+        <p:txBody>
+          <a:bodyPr/>
+          <a:lstStyle/>
+          <a:p>
+            <a:r>
+              <a:rPr lang="fr-FR" dirty="0" smtClean="0"/>
+              <a:t>1) Le diagramme de contexte</a:t>
+            </a:r>
+          </a:p>
+          <a:p>
+            <a:pPr>
+              <a:buNone/>
+            </a:pPr>
+            <a:endParaRPr lang="fr-FR" dirty="0" smtClean="0"/>
+          </a:p>
+          <a:p>
+            <a:pPr>
+              <a:buNone/>
+            </a:pPr>
+            <a:endParaRPr lang="fr-FR" dirty="0"/>
+          </a:p>
+        </p:txBody>
+      </p:sp>
       <p:pic>
         <p:nvPicPr>
-          <p:cNvPr id="1026" name="Picture 2" descr="C:\Users\Quentin\Documents\GitHub\QAWIProject\UML\Diagramme de contexte.png"/>
+          <p:cNvPr id="5" name="Picture 2" descr="C:\Users\Quentin\Documents\GitHub\QAWIProject\UML\Diagramme de contexte.png"/>
           <p:cNvPicPr>
-            <a:picLocks noGrp="1" noChangeAspect="1" noChangeArrowheads="1"/>
+            <a:picLocks noChangeAspect="1" noChangeArrowheads="1"/>
           </p:cNvPicPr>
-          <p:nvPr>
-            <p:ph idx="1"/>
-          </p:nvPr>
+          <p:nvPr/>
         </p:nvPicPr>
         <p:blipFill>
           <a:blip r:embed="rId2" cstate="print"/>
-          <a:srcRect/>
           <a:stretch>
             <a:fillRect/>
           </a:stretch>
         </p:blipFill>
         <p:spPr bwMode="auto">
           <a:xfrm>
-            <a:off x="1115616" y="1340768"/>
-            <a:ext cx="7004951" cy="4187825"/>
+            <a:off x="1187624" y="2060848"/>
+            <a:ext cx="7004951" cy="4176464"/>
           </a:xfrm>
           <a:prstGeom prst="rect">
             <a:avLst/>
@@ -4585,18 +4475,49 @@
           <a:noFill/>
         </p:spPr>
       </p:pic>
+      <p:sp>
+        <p:nvSpPr>
+          <p:cNvPr id="6" name="ZoneTexte 5"/>
+          <p:cNvSpPr txBox="1"/>
+          <p:nvPr/>
+        </p:nvSpPr>
+        <p:spPr>
+          <a:xfrm>
+            <a:off x="4427984" y="2276872"/>
+            <a:ext cx="1152128" cy="261610"/>
+          </a:xfrm>
+          <a:prstGeom prst="rect">
+            <a:avLst/>
+          </a:prstGeom>
+          <a:noFill/>
+        </p:spPr>
+        <p:txBody>
+          <a:bodyPr wrap="square" rtlCol="0">
+            <a:spAutoFit/>
+          </a:bodyPr>
+          <a:lstStyle/>
+          <a:p>
+            <a:r>
+              <a:rPr lang="fr-FR" sz="1100" dirty="0" smtClean="0">
+                <a:solidFill>
+                  <a:schemeClr val="bg1"/>
+                </a:solidFill>
+              </a:rPr>
+              <a:t>&lt;&lt;system&gt;&gt;</a:t>
+            </a:r>
+            <a:endParaRPr lang="fr-FR" sz="1100" dirty="0">
+              <a:solidFill>
+                <a:schemeClr val="bg1"/>
+              </a:solidFill>
+            </a:endParaRPr>
+          </a:p>
+        </p:txBody>
+      </p:sp>
     </p:spTree>
   </p:cSld>
   <p:clrMapOvr>
     <a:masterClrMapping/>
   </p:clrMapOvr>
-  <p:timing>
-    <p:tnLst>
-      <p:par>
-        <p:cTn id="1" dur="indefinite" restart="never" nodeType="tmRoot"/>
-      </p:par>
-    </p:tnLst>
-  </p:timing>
 </p:sld>
 </file>
 
@@ -5156,7 +5077,15 @@
                       <a:pPr algn="ctr"/>
                       <a:r>
                         <a:rPr lang="fr-FR" sz="1400" dirty="0" smtClean="0"/>
-                        <a:t>2) Vérifier niveau</a:t>
+                        <a:t>2) </a:t>
+                      </a:r>
+                      <a:r>
+                        <a:rPr lang="fr-FR" sz="1400" dirty="0" smtClean="0"/>
+                        <a:t>Récupérer </a:t>
+                      </a:r>
+                      <a:r>
+                        <a:rPr lang="fr-FR" sz="1400" dirty="0" smtClean="0"/>
+                        <a:t>niveau</a:t>
                       </a:r>
                       <a:r>
                         <a:rPr lang="fr-FR" sz="1400" baseline="0" dirty="0" smtClean="0"/>
